--- a/PID Presentation.pptx
+++ b/PID Presentation.pptx
@@ -10,6 +10,10 @@
     <p:sldId id="258" r:id="rId4"/>
     <p:sldId id="259" r:id="rId5"/>
     <p:sldId id="260" r:id="rId6"/>
+    <p:sldId id="261" r:id="rId7"/>
+    <p:sldId id="262" r:id="rId8"/>
+    <p:sldId id="263" r:id="rId9"/>
+    <p:sldId id="264" r:id="rId10"/>
   </p:sldIdLst>
   <p:sldSz cx="12192000" cy="6858000"/>
   <p:notesSz cx="6858000" cy="9144000"/>
@@ -16428,7 +16432,13 @@
           <a:bodyPr/>
           <a:lstStyle/>
           <a:p>
-            <a:endParaRPr lang="en-US"/>
+            <a:r>
+              <a:rPr lang="en-US" dirty="0">
+                <a:latin typeface="Algerian" panose="04020705040A02060702" pitchFamily="82" charset="0"/>
+              </a:rPr>
+              <a:t>IN THIS PROJECT </a:t>
+            </a:r>
+            <a:endParaRPr lang="en-US" dirty="0"/>
           </a:p>
         </p:txBody>
       </p:sp>
@@ -16453,7 +16463,31 @@
           <a:bodyPr/>
           <a:lstStyle/>
           <a:p>
-            <a:endParaRPr lang="en-US"/>
+            <a:r>
+              <a:rPr lang="en-US" dirty="0">
+                <a:latin typeface="Arial Black" panose="020B0A04020102020204" pitchFamily="34" charset="0"/>
+              </a:rPr>
+              <a:t>HERE IN THIS PRESENTATION AT FIRST I AM GOING TO TELL YOU A MORE LITTLE BIT OF  ALTERNATIVE PROTEIN.</a:t>
+            </a:r>
+          </a:p>
+          <a:p>
+            <a:r>
+              <a:rPr lang="en-US" dirty="0">
+                <a:latin typeface="Arial Black" panose="020B0A04020102020204" pitchFamily="34" charset="0"/>
+              </a:rPr>
+              <a:t>AFTER THAT IN THIS PRESENTATION I AM GOING TO TELL YOU ABOUT THE FACTORS OF NUTRITIONAL SUPPLEMENTS.</a:t>
+            </a:r>
+          </a:p>
+          <a:p>
+            <a:r>
+              <a:rPr lang="en-US" dirty="0">
+                <a:latin typeface="Arial Black" panose="020B0A04020102020204" pitchFamily="34" charset="0"/>
+              </a:rPr>
+              <a:t>AND THEN IN THIS PRESENTATION I AM GOING TO SHOW YOU THE KEY FEATURES OF PROTION AND SUPPLEMENTS.</a:t>
+            </a:r>
+          </a:p>
+          <a:p>
+            <a:endParaRPr lang="en-US" dirty="0"/>
           </a:p>
         </p:txBody>
       </p:sp>
@@ -16551,6 +16585,588 @@
     <p:extLst>
       <p:ext uri="{BB962C8B-B14F-4D97-AF65-F5344CB8AC3E}">
         <p14:creationId xmlns:p14="http://schemas.microsoft.com/office/powerpoint/2010/main" val="1420187435"/>
+      </p:ext>
+    </p:extLst>
+  </p:cSld>
+  <p:clrMapOvr>
+    <a:masterClrMapping/>
+  </p:clrMapOvr>
+</p:sld>
+</file>
+
+<file path=ppt/slides/slide6.xml><?xml version="1.0" encoding="utf-8"?>
+<p:sld xmlns:a="http://schemas.openxmlformats.org/drawingml/2006/main" xmlns:r="http://schemas.openxmlformats.org/officeDocument/2006/relationships" xmlns:p="http://schemas.openxmlformats.org/presentationml/2006/main">
+  <p:cSld>
+    <p:spTree>
+      <p:nvGrpSpPr>
+        <p:cNvPr id="1" name=""/>
+        <p:cNvGrpSpPr/>
+        <p:nvPr/>
+      </p:nvGrpSpPr>
+      <p:grpSpPr>
+        <a:xfrm>
+          <a:off x="0" y="0"/>
+          <a:ext cx="0" cy="0"/>
+          <a:chOff x="0" y="0"/>
+          <a:chExt cx="0" cy="0"/>
+        </a:xfrm>
+      </p:grpSpPr>
+      <p:sp>
+        <p:nvSpPr>
+          <p:cNvPr id="2" name="Title 1">
+            <a:extLst>
+              <a:ext uri="{FF2B5EF4-FFF2-40B4-BE49-F238E27FC236}">
+                <a16:creationId xmlns:a16="http://schemas.microsoft.com/office/drawing/2014/main" id="{E9F2128B-E885-B554-5B36-59401B7B7F53}"/>
+              </a:ext>
+            </a:extLst>
+          </p:cNvPr>
+          <p:cNvSpPr>
+            <a:spLocks noGrp="1"/>
+          </p:cNvSpPr>
+          <p:nvPr>
+            <p:ph type="title"/>
+          </p:nvPr>
+        </p:nvSpPr>
+        <p:spPr/>
+        <p:txBody>
+          <a:bodyPr/>
+          <a:lstStyle/>
+          <a:p>
+            <a:r>
+              <a:rPr lang="en-US" dirty="0">
+                <a:latin typeface="Algerian" panose="04020705040A02060702" pitchFamily="82" charset="0"/>
+              </a:rPr>
+              <a:t>CONCEPTS USED IN THIS PROJECT</a:t>
+            </a:r>
+            <a:endParaRPr lang="en-US" dirty="0"/>
+          </a:p>
+        </p:txBody>
+      </p:sp>
+      <p:sp>
+        <p:nvSpPr>
+          <p:cNvPr id="3" name="Content Placeholder 2">
+            <a:extLst>
+              <a:ext uri="{FF2B5EF4-FFF2-40B4-BE49-F238E27FC236}">
+                <a16:creationId xmlns:a16="http://schemas.microsoft.com/office/drawing/2014/main" id="{5CE38B07-2D5B-4FD2-65D2-4E8AF5405D2D}"/>
+              </a:ext>
+            </a:extLst>
+          </p:cNvPr>
+          <p:cNvSpPr>
+            <a:spLocks noGrp="1"/>
+          </p:cNvSpPr>
+          <p:nvPr>
+            <p:ph idx="1"/>
+          </p:nvPr>
+        </p:nvSpPr>
+        <p:spPr/>
+        <p:txBody>
+          <a:bodyPr/>
+          <a:lstStyle/>
+          <a:p>
+            <a:r>
+              <a:rPr lang="en-US" dirty="0">
+                <a:latin typeface="Arial Black" panose="020B0A04020102020204" pitchFamily="34" charset="0"/>
+              </a:rPr>
+              <a:t>I MADE THIS PROJECT BY USING THE CONCEPTS OF C LANGUAGE INCLUDING POINTERS, ARRAY, AND LOOP.</a:t>
+            </a:r>
+          </a:p>
+          <a:p>
+            <a:endParaRPr lang="en-US" dirty="0"/>
+          </a:p>
+        </p:txBody>
+      </p:sp>
+    </p:spTree>
+    <p:extLst>
+      <p:ext uri="{BB962C8B-B14F-4D97-AF65-F5344CB8AC3E}">
+        <p14:creationId xmlns:p14="http://schemas.microsoft.com/office/powerpoint/2010/main" val="1847569889"/>
+      </p:ext>
+    </p:extLst>
+  </p:cSld>
+  <p:clrMapOvr>
+    <a:masterClrMapping/>
+  </p:clrMapOvr>
+</p:sld>
+</file>
+
+<file path=ppt/slides/slide7.xml><?xml version="1.0" encoding="utf-8"?>
+<p:sld xmlns:a="http://schemas.openxmlformats.org/drawingml/2006/main" xmlns:r="http://schemas.openxmlformats.org/officeDocument/2006/relationships" xmlns:p="http://schemas.openxmlformats.org/presentationml/2006/main">
+  <p:cSld>
+    <p:spTree>
+      <p:nvGrpSpPr>
+        <p:cNvPr id="1" name=""/>
+        <p:cNvGrpSpPr/>
+        <p:nvPr/>
+      </p:nvGrpSpPr>
+      <p:grpSpPr>
+        <a:xfrm>
+          <a:off x="0" y="0"/>
+          <a:ext cx="0" cy="0"/>
+          <a:chOff x="0" y="0"/>
+          <a:chExt cx="0" cy="0"/>
+        </a:xfrm>
+      </p:grpSpPr>
+      <p:sp>
+        <p:nvSpPr>
+          <p:cNvPr id="2" name="Title 1">
+            <a:extLst>
+              <a:ext uri="{FF2B5EF4-FFF2-40B4-BE49-F238E27FC236}">
+                <a16:creationId xmlns:a16="http://schemas.microsoft.com/office/drawing/2014/main" id="{B8529858-EE4A-72C0-7069-097C5010AFE0}"/>
+              </a:ext>
+            </a:extLst>
+          </p:cNvPr>
+          <p:cNvSpPr>
+            <a:spLocks noGrp="1"/>
+          </p:cNvSpPr>
+          <p:nvPr>
+            <p:ph type="title"/>
+          </p:nvPr>
+        </p:nvSpPr>
+        <p:spPr/>
+        <p:txBody>
+          <a:bodyPr/>
+          <a:lstStyle/>
+          <a:p>
+            <a:r>
+              <a:rPr lang="en-US" dirty="0">
+                <a:latin typeface="Algerian" panose="04020705040A02060702" pitchFamily="82" charset="0"/>
+              </a:rPr>
+              <a:t>COMPILER USED </a:t>
+            </a:r>
+            <a:endParaRPr lang="en-US" dirty="0"/>
+          </a:p>
+        </p:txBody>
+      </p:sp>
+      <p:sp>
+        <p:nvSpPr>
+          <p:cNvPr id="3" name="Content Placeholder 2">
+            <a:extLst>
+              <a:ext uri="{FF2B5EF4-FFF2-40B4-BE49-F238E27FC236}">
+                <a16:creationId xmlns:a16="http://schemas.microsoft.com/office/drawing/2014/main" id="{ABBFE3C9-3753-9112-661E-AC0D78E36162}"/>
+              </a:ext>
+            </a:extLst>
+          </p:cNvPr>
+          <p:cNvSpPr>
+            <a:spLocks noGrp="1"/>
+          </p:cNvSpPr>
+          <p:nvPr>
+            <p:ph idx="1"/>
+          </p:nvPr>
+        </p:nvSpPr>
+        <p:spPr/>
+        <p:txBody>
+          <a:bodyPr/>
+          <a:lstStyle/>
+          <a:p>
+            <a:r>
+              <a:rPr lang="en-US" dirty="0">
+                <a:latin typeface="Arial Black" panose="020B0A04020102020204" pitchFamily="34" charset="0"/>
+              </a:rPr>
+              <a:t>I USED DEV++ COMPILER TO RUN THE CODE</a:t>
+            </a:r>
+            <a:endParaRPr lang="en-US" dirty="0"/>
+          </a:p>
+        </p:txBody>
+      </p:sp>
+    </p:spTree>
+    <p:extLst>
+      <p:ext uri="{BB962C8B-B14F-4D97-AF65-F5344CB8AC3E}">
+        <p14:creationId xmlns:p14="http://schemas.microsoft.com/office/powerpoint/2010/main" val="2016305006"/>
+      </p:ext>
+    </p:extLst>
+  </p:cSld>
+  <p:clrMapOvr>
+    <a:masterClrMapping/>
+  </p:clrMapOvr>
+</p:sld>
+</file>
+
+<file path=ppt/slides/slide8.xml><?xml version="1.0" encoding="utf-8"?>
+<p:sld xmlns:a="http://schemas.openxmlformats.org/drawingml/2006/main" xmlns:r="http://schemas.openxmlformats.org/officeDocument/2006/relationships" xmlns:p="http://schemas.openxmlformats.org/presentationml/2006/main">
+  <p:cSld>
+    <p:spTree>
+      <p:nvGrpSpPr>
+        <p:cNvPr id="1" name=""/>
+        <p:cNvGrpSpPr/>
+        <p:nvPr/>
+      </p:nvGrpSpPr>
+      <p:grpSpPr>
+        <a:xfrm>
+          <a:off x="0" y="0"/>
+          <a:ext cx="0" cy="0"/>
+          <a:chOff x="0" y="0"/>
+          <a:chExt cx="0" cy="0"/>
+        </a:xfrm>
+      </p:grpSpPr>
+      <p:sp>
+        <p:nvSpPr>
+          <p:cNvPr id="2" name="Title 1">
+            <a:extLst>
+              <a:ext uri="{FF2B5EF4-FFF2-40B4-BE49-F238E27FC236}">
+                <a16:creationId xmlns:a16="http://schemas.microsoft.com/office/drawing/2014/main" id="{28FF7168-8059-E587-087E-693CEFAB0D03}"/>
+              </a:ext>
+            </a:extLst>
+          </p:cNvPr>
+          <p:cNvSpPr>
+            <a:spLocks noGrp="1"/>
+          </p:cNvSpPr>
+          <p:nvPr>
+            <p:ph type="title"/>
+          </p:nvPr>
+        </p:nvSpPr>
+        <p:spPr/>
+        <p:txBody>
+          <a:bodyPr/>
+          <a:lstStyle/>
+          <a:p>
+            <a:r>
+              <a:rPr lang="en-US" dirty="0">
+                <a:latin typeface="Algerian" panose="04020705040A02060702" pitchFamily="82" charset="0"/>
+              </a:rPr>
+              <a:t>FLOWCHART OF ALTERNATIVE PROTEIN</a:t>
+            </a:r>
+            <a:endParaRPr lang="en-US" dirty="0"/>
+          </a:p>
+        </p:txBody>
+      </p:sp>
+      <p:pic>
+        <p:nvPicPr>
+          <p:cNvPr id="4" name="Content Placeholder 12">
+            <a:extLst>
+              <a:ext uri="{FF2B5EF4-FFF2-40B4-BE49-F238E27FC236}">
+                <a16:creationId xmlns:a16="http://schemas.microsoft.com/office/drawing/2014/main" id="{352F9360-642C-2E5A-3E38-8BC825707CB9}"/>
+              </a:ext>
+            </a:extLst>
+          </p:cNvPr>
+          <p:cNvPicPr>
+            <a:picLocks noGrp="1" noChangeAspect="1"/>
+          </p:cNvPicPr>
+          <p:nvPr>
+            <p:ph idx="1"/>
+          </p:nvPr>
+        </p:nvPicPr>
+        <p:blipFill>
+          <a:blip r:embed="rId2" cstate="print">
+            <a:extLst>
+              <a:ext uri="{28A0092B-C50C-407E-A947-70E740481C1C}">
+                <a14:useLocalDpi xmlns:a14="http://schemas.microsoft.com/office/drawing/2010/main" val="0"/>
+              </a:ext>
+            </a:extLst>
+          </a:blip>
+          <a:stretch>
+            <a:fillRect/>
+          </a:stretch>
+        </p:blipFill>
+        <p:spPr>
+          <a:xfrm>
+            <a:off x="3002914" y="2603500"/>
+            <a:ext cx="5130485" cy="3416300"/>
+          </a:xfrm>
+        </p:spPr>
+      </p:pic>
+    </p:spTree>
+    <p:extLst>
+      <p:ext uri="{BB962C8B-B14F-4D97-AF65-F5344CB8AC3E}">
+        <p14:creationId xmlns:p14="http://schemas.microsoft.com/office/powerpoint/2010/main" val="1687842841"/>
+      </p:ext>
+    </p:extLst>
+  </p:cSld>
+  <p:clrMapOvr>
+    <a:masterClrMapping/>
+  </p:clrMapOvr>
+</p:sld>
+</file>
+
+<file path=ppt/slides/slide9.xml><?xml version="1.0" encoding="utf-8"?>
+<p:sld xmlns:a="http://schemas.openxmlformats.org/drawingml/2006/main" xmlns:r="http://schemas.openxmlformats.org/officeDocument/2006/relationships" xmlns:p="http://schemas.openxmlformats.org/presentationml/2006/main">
+  <p:cSld>
+    <p:spTree>
+      <p:nvGrpSpPr>
+        <p:cNvPr id="1" name=""/>
+        <p:cNvGrpSpPr/>
+        <p:nvPr/>
+      </p:nvGrpSpPr>
+      <p:grpSpPr>
+        <a:xfrm>
+          <a:off x="0" y="0"/>
+          <a:ext cx="0" cy="0"/>
+          <a:chOff x="0" y="0"/>
+          <a:chExt cx="0" cy="0"/>
+        </a:xfrm>
+      </p:grpSpPr>
+      <p:sp>
+        <p:nvSpPr>
+          <p:cNvPr id="2" name="Title 1">
+            <a:extLst>
+              <a:ext uri="{FF2B5EF4-FFF2-40B4-BE49-F238E27FC236}">
+                <a16:creationId xmlns:a16="http://schemas.microsoft.com/office/drawing/2014/main" id="{1D9E50AA-0961-760C-ED53-2B56074F376C}"/>
+              </a:ext>
+            </a:extLst>
+          </p:cNvPr>
+          <p:cNvSpPr>
+            <a:spLocks noGrp="1"/>
+          </p:cNvSpPr>
+          <p:nvPr>
+            <p:ph type="title"/>
+          </p:nvPr>
+        </p:nvSpPr>
+        <p:spPr/>
+        <p:txBody>
+          <a:bodyPr/>
+          <a:lstStyle/>
+          <a:p>
+            <a:r>
+              <a:rPr lang="en-US" dirty="0">
+                <a:latin typeface="Algerian" panose="04020705040A02060702" pitchFamily="82" charset="0"/>
+              </a:rPr>
+              <a:t>FACTORS OF STUDENT LIFE CYCLE MANAGEMENT SYSTEM :</a:t>
+            </a:r>
+            <a:endParaRPr lang="en-US" dirty="0"/>
+          </a:p>
+        </p:txBody>
+      </p:sp>
+      <p:sp>
+        <p:nvSpPr>
+          <p:cNvPr id="3" name="Content Placeholder 2">
+            <a:extLst>
+              <a:ext uri="{FF2B5EF4-FFF2-40B4-BE49-F238E27FC236}">
+                <a16:creationId xmlns:a16="http://schemas.microsoft.com/office/drawing/2014/main" id="{F1F1E561-9717-74EB-F379-A371C45CC879}"/>
+              </a:ext>
+            </a:extLst>
+          </p:cNvPr>
+          <p:cNvSpPr>
+            <a:spLocks noGrp="1"/>
+          </p:cNvSpPr>
+          <p:nvPr>
+            <p:ph idx="1"/>
+          </p:nvPr>
+        </p:nvSpPr>
+        <p:spPr/>
+        <p:txBody>
+          <a:bodyPr/>
+          <a:lstStyle/>
+          <a:p>
+            <a:pPr marL="0" indent="0" algn="l" rtl="0" eaLnBrk="1" fontAlgn="t" latinLnBrk="0" hangingPunct="1">
+              <a:spcBef>
+                <a:spcPts val="0"/>
+              </a:spcBef>
+              <a:spcAft>
+                <a:spcPts val="0"/>
+              </a:spcAft>
+              <a:buNone/>
+            </a:pPr>
+            <a:r>
+              <a:rPr lang="en-US" sz="1800" b="1" i="0" u="none" strike="noStrike" kern="1200" dirty="0">
+                <a:solidFill>
+                  <a:srgbClr val="FFFFFF"/>
+                </a:solidFill>
+                <a:effectLst/>
+                <a:latin typeface="Century Gothic" panose="020B0502020202020204" pitchFamily="34" charset="0"/>
+              </a:rPr>
+              <a:t>UIRY FOR  ADMISSION</a:t>
+            </a:r>
+            <a:endParaRPr lang="en-US" sz="1800" b="0" i="0" u="none" strike="noStrike" dirty="0">
+              <a:effectLst/>
+              <a:latin typeface="Arial" panose="020B0604020202020204" pitchFamily="34" charset="0"/>
+            </a:endParaRPr>
+          </a:p>
+          <a:p>
+            <a:pPr marL="0" algn="l" rtl="0" eaLnBrk="1" fontAlgn="t" latinLnBrk="0" hangingPunct="1">
+              <a:spcBef>
+                <a:spcPts val="0"/>
+              </a:spcBef>
+              <a:spcAft>
+                <a:spcPts val="0"/>
+              </a:spcAft>
+            </a:pPr>
+            <a:r>
+              <a:rPr lang="en-US" dirty="0">
+                <a:solidFill>
+                  <a:srgbClr val="000000"/>
+                </a:solidFill>
+                <a:latin typeface="Century Gothic" panose="020B0502020202020204" pitchFamily="34" charset="0"/>
+              </a:rPr>
+              <a:t>LACK OF NUTRITION</a:t>
+            </a:r>
+            <a:endParaRPr lang="en-US" sz="1800" b="0" i="0" u="none" strike="noStrike" dirty="0">
+              <a:effectLst/>
+              <a:latin typeface="Arial" panose="020B0604020202020204" pitchFamily="34" charset="0"/>
+            </a:endParaRPr>
+          </a:p>
+          <a:p>
+            <a:pPr marL="0" algn="l" rtl="0" eaLnBrk="1" fontAlgn="t" latinLnBrk="0" hangingPunct="1">
+              <a:spcBef>
+                <a:spcPts val="0"/>
+              </a:spcBef>
+              <a:spcAft>
+                <a:spcPts val="0"/>
+              </a:spcAft>
+            </a:pPr>
+            <a:r>
+              <a:rPr lang="en-US" dirty="0">
+                <a:solidFill>
+                  <a:srgbClr val="000000"/>
+                </a:solidFill>
+                <a:latin typeface="Century Gothic" panose="020B0502020202020204" pitchFamily="34" charset="0"/>
+              </a:rPr>
+              <a:t>HIGH PRICE</a:t>
+            </a:r>
+            <a:endParaRPr lang="en-US" sz="1800" b="0" i="0" u="none" strike="noStrike" dirty="0">
+              <a:effectLst/>
+              <a:latin typeface="Arial" panose="020B0604020202020204" pitchFamily="34" charset="0"/>
+            </a:endParaRPr>
+          </a:p>
+          <a:p>
+            <a:pPr marL="0" algn="l" rtl="0" eaLnBrk="1" fontAlgn="t" latinLnBrk="0" hangingPunct="1">
+              <a:spcBef>
+                <a:spcPts val="0"/>
+              </a:spcBef>
+              <a:spcAft>
+                <a:spcPts val="0"/>
+              </a:spcAft>
+            </a:pPr>
+            <a:r>
+              <a:rPr lang="en-US" sz="1800" b="0" i="0" u="none" strike="noStrike" kern="1200" dirty="0">
+                <a:solidFill>
+                  <a:srgbClr val="000000"/>
+                </a:solidFill>
+                <a:effectLst/>
+                <a:latin typeface="Century Gothic" panose="020B0502020202020204" pitchFamily="34" charset="0"/>
+              </a:rPr>
+              <a:t>PROGRAM  AND COURSE STRUCTURE </a:t>
+            </a:r>
+            <a:endParaRPr lang="en-US" sz="1800" b="0" i="0" u="none" strike="noStrike" dirty="0">
+              <a:effectLst/>
+              <a:latin typeface="Arial" panose="020B0604020202020204" pitchFamily="34" charset="0"/>
+            </a:endParaRPr>
+          </a:p>
+          <a:p>
+            <a:pPr marL="0" algn="l" rtl="0" eaLnBrk="1" fontAlgn="t" latinLnBrk="0" hangingPunct="1">
+              <a:spcBef>
+                <a:spcPts val="0"/>
+              </a:spcBef>
+              <a:spcAft>
+                <a:spcPts val="0"/>
+              </a:spcAft>
+            </a:pPr>
+            <a:r>
+              <a:rPr lang="en-US" sz="1800" b="0" i="0" u="none" strike="noStrike" kern="1200" dirty="0">
+                <a:solidFill>
+                  <a:srgbClr val="000000"/>
+                </a:solidFill>
+                <a:effectLst/>
+                <a:latin typeface="Century Gothic" panose="020B0502020202020204" pitchFamily="34" charset="0"/>
+              </a:rPr>
+              <a:t>TIMETABLE</a:t>
+            </a:r>
+            <a:endParaRPr lang="en-US" sz="1800" b="0" i="0" u="none" strike="noStrike" dirty="0">
+              <a:effectLst/>
+              <a:latin typeface="Arial" panose="020B0604020202020204" pitchFamily="34" charset="0"/>
+            </a:endParaRPr>
+          </a:p>
+          <a:p>
+            <a:pPr marL="0" algn="l" rtl="0" eaLnBrk="1" fontAlgn="t" latinLnBrk="0" hangingPunct="1">
+              <a:spcBef>
+                <a:spcPts val="0"/>
+              </a:spcBef>
+              <a:spcAft>
+                <a:spcPts val="0"/>
+              </a:spcAft>
+            </a:pPr>
+            <a:r>
+              <a:rPr lang="en-US" sz="1800" b="0" i="0" u="none" strike="noStrike" kern="1200" dirty="0">
+                <a:solidFill>
+                  <a:srgbClr val="000000"/>
+                </a:solidFill>
+                <a:effectLst/>
+                <a:latin typeface="Century Gothic" panose="020B0502020202020204" pitchFamily="34" charset="0"/>
+              </a:rPr>
+              <a:t>ATTENDENCE RECORD</a:t>
+            </a:r>
+            <a:endParaRPr lang="en-US" sz="1800" b="0" i="0" u="none" strike="noStrike" dirty="0">
+              <a:effectLst/>
+              <a:latin typeface="Arial" panose="020B0604020202020204" pitchFamily="34" charset="0"/>
+            </a:endParaRPr>
+          </a:p>
+          <a:p>
+            <a:pPr marL="0" algn="l" rtl="0" eaLnBrk="1" fontAlgn="t" latinLnBrk="0" hangingPunct="1">
+              <a:spcBef>
+                <a:spcPts val="0"/>
+              </a:spcBef>
+              <a:spcAft>
+                <a:spcPts val="0"/>
+              </a:spcAft>
+            </a:pPr>
+            <a:r>
+              <a:rPr lang="en-US" dirty="0">
+                <a:solidFill>
+                  <a:srgbClr val="000000"/>
+                </a:solidFill>
+                <a:latin typeface="Century Gothic" panose="020B0502020202020204" pitchFamily="34" charset="0"/>
+              </a:rPr>
+              <a:t>WORKOUT</a:t>
+            </a:r>
+            <a:endParaRPr lang="en-US" sz="1800" b="0" i="0" u="none" strike="noStrike" dirty="0">
+              <a:effectLst/>
+              <a:latin typeface="Arial" panose="020B0604020202020204" pitchFamily="34" charset="0"/>
+            </a:endParaRPr>
+          </a:p>
+          <a:p>
+            <a:pPr marL="0" algn="l" rtl="0" eaLnBrk="1" fontAlgn="t" latinLnBrk="0" hangingPunct="1">
+              <a:spcBef>
+                <a:spcPts val="0"/>
+              </a:spcBef>
+              <a:spcAft>
+                <a:spcPts val="0"/>
+              </a:spcAft>
+            </a:pPr>
+            <a:r>
+              <a:rPr lang="en-US" dirty="0">
+                <a:solidFill>
+                  <a:srgbClr val="000000"/>
+                </a:solidFill>
+                <a:latin typeface="Century Gothic" panose="020B0502020202020204" pitchFamily="34" charset="0"/>
+              </a:rPr>
+              <a:t>MOTIVATION</a:t>
+            </a:r>
+            <a:r>
+              <a:rPr lang="en-US" sz="1800" b="0" i="0" u="none" strike="noStrike" kern="1200" dirty="0">
+                <a:solidFill>
+                  <a:srgbClr val="000000"/>
+                </a:solidFill>
+                <a:effectLst/>
+                <a:latin typeface="Century Gothic" panose="020B0502020202020204" pitchFamily="34" charset="0"/>
+              </a:rPr>
+              <a:t> </a:t>
+            </a:r>
+            <a:endParaRPr lang="en-US" sz="1800" b="0" i="0" u="none" strike="noStrike" dirty="0">
+              <a:effectLst/>
+              <a:latin typeface="Arial" panose="020B0604020202020204" pitchFamily="34" charset="0"/>
+            </a:endParaRPr>
+          </a:p>
+          <a:p>
+            <a:pPr marL="0" indent="0" algn="l" rtl="0" eaLnBrk="1" fontAlgn="t" latinLnBrk="0" hangingPunct="1">
+              <a:spcBef>
+                <a:spcPts val="0"/>
+              </a:spcBef>
+              <a:spcAft>
+                <a:spcPts val="0"/>
+              </a:spcAft>
+              <a:buNone/>
+            </a:pPr>
+            <a:endParaRPr lang="en-US" sz="1800" b="0" i="0" u="none" strike="noStrike" dirty="0">
+              <a:effectLst/>
+              <a:latin typeface="Arial" panose="020B0604020202020204" pitchFamily="34" charset="0"/>
+            </a:endParaRPr>
+          </a:p>
+          <a:p>
+            <a:endParaRPr lang="en-US" dirty="0"/>
+          </a:p>
+        </p:txBody>
+      </p:sp>
+    </p:spTree>
+    <p:extLst>
+      <p:ext uri="{BB962C8B-B14F-4D97-AF65-F5344CB8AC3E}">
+        <p14:creationId xmlns:p14="http://schemas.microsoft.com/office/powerpoint/2010/main" val="795887376"/>
       </p:ext>
     </p:extLst>
   </p:cSld>
